--- a/WEATHER PPT.pptx
+++ b/WEATHER PPT.pptx
@@ -619,7 +619,7 @@
             <a:fld id="{1D5BB0C6-8FC1-47C0-B737-D54E21B5B868}" type="datetimeFigureOut">
               <a:rPr lang="en-US" smtClean="0"/>
               <a:pPr/>
-              <a:t>9/30/2024</a:t>
+              <a:t>11/4/2024</a:t>
             </a:fld>
             <a:endParaRPr lang="en-US"/>
           </a:p>
@@ -1036,7 +1036,7 @@
             <a:fld id="{1D5BB0C6-8FC1-47C0-B737-D54E21B5B868}" type="datetimeFigureOut">
               <a:rPr lang="en-US" smtClean="0"/>
               <a:pPr/>
-              <a:t>9/30/2024</a:t>
+              <a:t>11/4/2024</a:t>
             </a:fld>
             <a:endParaRPr lang="en-US"/>
           </a:p>
@@ -1139,7 +1139,7 @@
             <a:fld id="{1D5BB0C6-8FC1-47C0-B737-D54E21B5B868}" type="datetimeFigureOut">
               <a:rPr lang="en-US" smtClean="0"/>
               <a:pPr/>
-              <a:t>9/30/2024</a:t>
+              <a:t>11/4/2024</a:t>
             </a:fld>
             <a:endParaRPr lang="en-US"/>
           </a:p>
@@ -1376,7 +1376,7 @@
             <a:fld id="{1D5BB0C6-8FC1-47C0-B737-D54E21B5B868}" type="datetimeFigureOut">
               <a:rPr lang="en-US" smtClean="0"/>
               <a:pPr/>
-              <a:t>9/30/2024</a:t>
+              <a:t>11/4/2024</a:t>
             </a:fld>
             <a:endParaRPr lang="en-US"/>
           </a:p>
@@ -2450,6 +2450,42 @@
           </a:p>
         </p:txBody>
       </p:sp>
+      <p:pic>
+        <p:nvPicPr>
+          <p:cNvPr id="3" name="Picture 2">
+            <a:extLst>
+              <a:ext uri="{FF2B5EF4-FFF2-40B4-BE49-F238E27FC236}">
+                <a16:creationId xmlns:a16="http://schemas.microsoft.com/office/drawing/2014/main" id="{77484695-7905-06A1-2B53-8BF496746559}"/>
+              </a:ext>
+            </a:extLst>
+          </p:cNvPr>
+          <p:cNvPicPr>
+            <a:picLocks noChangeAspect="1"/>
+          </p:cNvPicPr>
+          <p:nvPr/>
+        </p:nvPicPr>
+        <p:blipFill>
+          <a:blip r:embed="rId2">
+            <a:extLst>
+              <a:ext uri="{28A0092B-C50C-407E-A947-70E740481C1C}">
+                <a14:useLocalDpi xmlns:a14="http://schemas.microsoft.com/office/drawing/2010/main" val="0"/>
+              </a:ext>
+            </a:extLst>
+          </a:blip>
+          <a:stretch>
+            <a:fillRect/>
+          </a:stretch>
+        </p:blipFill>
+        <p:spPr>
+          <a:xfrm>
+            <a:off x="-24164" y="908720"/>
+            <a:ext cx="9168164" cy="5688632"/>
+          </a:xfrm>
+          <a:prstGeom prst="rect">
+            <a:avLst/>
+          </a:prstGeom>
+        </p:spPr>
+      </p:pic>
     </p:spTree>
   </p:cSld>
   <p:clrMapOvr>
@@ -4597,6 +4633,42 @@
           </a:p>
         </p:txBody>
       </p:sp>
+      <p:pic>
+        <p:nvPicPr>
+          <p:cNvPr id="4" name="Picture 3">
+            <a:extLst>
+              <a:ext uri="{FF2B5EF4-FFF2-40B4-BE49-F238E27FC236}">
+                <a16:creationId xmlns:a16="http://schemas.microsoft.com/office/drawing/2014/main" id="{9CF62CE2-5ED7-A817-7956-79E4CF437E83}"/>
+              </a:ext>
+            </a:extLst>
+          </p:cNvPr>
+          <p:cNvPicPr>
+            <a:picLocks noChangeAspect="1"/>
+          </p:cNvPicPr>
+          <p:nvPr/>
+        </p:nvPicPr>
+        <p:blipFill>
+          <a:blip r:embed="rId2">
+            <a:extLst>
+              <a:ext uri="{28A0092B-C50C-407E-A947-70E740481C1C}">
+                <a14:useLocalDpi xmlns:a14="http://schemas.microsoft.com/office/drawing/2010/main" val="0"/>
+              </a:ext>
+            </a:extLst>
+          </a:blip>
+          <a:stretch>
+            <a:fillRect/>
+          </a:stretch>
+        </p:blipFill>
+        <p:spPr>
+          <a:xfrm>
+            <a:off x="-18510" y="836712"/>
+            <a:ext cx="9181020" cy="5858206"/>
+          </a:xfrm>
+          <a:prstGeom prst="rect">
+            <a:avLst/>
+          </a:prstGeom>
+        </p:spPr>
+      </p:pic>
     </p:spTree>
   </p:cSld>
   <p:clrMapOvr>
@@ -4633,7 +4705,7 @@
         </p:nvSpPr>
         <p:spPr>
           <a:xfrm>
-            <a:off x="467544" y="260648"/>
+            <a:off x="2699792" y="159804"/>
             <a:ext cx="5400600" cy="584775"/>
           </a:xfrm>
           <a:prstGeom prst="rect">
@@ -4652,7 +4724,7 @@
                 <a:latin typeface="Times New Roman" pitchFamily="18" charset="0"/>
                 <a:cs typeface="Times New Roman" pitchFamily="18" charset="0"/>
               </a:rPr>
-              <a:t>Problem Statement</a:t>
+              <a:t>Overview</a:t>
             </a:r>
           </a:p>
         </p:txBody>
@@ -4703,6 +4775,42 @@
           </a:p>
         </p:txBody>
       </p:sp>
+      <p:pic>
+        <p:nvPicPr>
+          <p:cNvPr id="5" name="Picture 4">
+            <a:extLst>
+              <a:ext uri="{FF2B5EF4-FFF2-40B4-BE49-F238E27FC236}">
+                <a16:creationId xmlns:a16="http://schemas.microsoft.com/office/drawing/2014/main" id="{1B9C2B87-3E4F-48E7-6345-303A2CB69239}"/>
+              </a:ext>
+            </a:extLst>
+          </p:cNvPr>
+          <p:cNvPicPr>
+            <a:picLocks noChangeAspect="1"/>
+          </p:cNvPicPr>
+          <p:nvPr/>
+        </p:nvPicPr>
+        <p:blipFill>
+          <a:blip r:embed="rId2">
+            <a:extLst>
+              <a:ext uri="{28A0092B-C50C-407E-A947-70E740481C1C}">
+                <a14:useLocalDpi xmlns:a14="http://schemas.microsoft.com/office/drawing/2010/main" val="0"/>
+              </a:ext>
+            </a:extLst>
+          </a:blip>
+          <a:stretch>
+            <a:fillRect/>
+          </a:stretch>
+        </p:blipFill>
+        <p:spPr>
+          <a:xfrm>
+            <a:off x="-1" y="980728"/>
+            <a:ext cx="9142175" cy="5688632"/>
+          </a:xfrm>
+          <a:prstGeom prst="rect">
+            <a:avLst/>
+          </a:prstGeom>
+        </p:spPr>
+      </p:pic>
     </p:spTree>
   </p:cSld>
   <p:clrMapOvr>
